--- a/slides/07-probability.pptx
+++ b/slides/07-probability.pptx
@@ -236,7 +236,7 @@
           <a:p>
             <a:fld id="{3CBB8A52-8AC5-C74C-97FB-632C448F3674}" type="datetimeFigureOut">
               <a:rPr lang="en-US" smtClean="0"/>
-              <a:t>2/9/24</a:t>
+              <a:t>2/16/24</a:t>
             </a:fld>
             <a:endParaRPr lang="en-US"/>
           </a:p>
@@ -5150,7 +5150,7 @@
             <a:fld id="{5586B75A-687E-405C-8A0B-8D00578BA2C3}" type="datetimeFigureOut">
               <a:rPr lang="en-US" smtClean="0"/>
               <a:pPr/>
-              <a:t>2/9/24</a:t>
+              <a:t>2/16/24</a:t>
             </a:fld>
             <a:endParaRPr lang="en-US" dirty="0"/>
           </a:p>
@@ -5322,7 +5322,7 @@
             <a:fld id="{5586B75A-687E-405C-8A0B-8D00578BA2C3}" type="datetimeFigureOut">
               <a:rPr lang="en-US" smtClean="0"/>
               <a:pPr/>
-              <a:t>2/9/24</a:t>
+              <a:t>2/16/24</a:t>
             </a:fld>
             <a:endParaRPr lang="en-US" dirty="0"/>
           </a:p>
@@ -5504,7 +5504,7 @@
             <a:fld id="{5586B75A-687E-405C-8A0B-8D00578BA2C3}" type="datetimeFigureOut">
               <a:rPr lang="en-US" smtClean="0"/>
               <a:pPr/>
-              <a:t>2/9/24</a:t>
+              <a:t>2/16/24</a:t>
             </a:fld>
             <a:endParaRPr lang="en-US" dirty="0"/>
           </a:p>
@@ -5676,7 +5676,7 @@
             <a:fld id="{5586B75A-687E-405C-8A0B-8D00578BA2C3}" type="datetimeFigureOut">
               <a:rPr lang="en-US" smtClean="0"/>
               <a:pPr/>
-              <a:t>2/9/24</a:t>
+              <a:t>2/16/24</a:t>
             </a:fld>
             <a:endParaRPr lang="en-US" dirty="0"/>
           </a:p>
@@ -5932,7 +5932,7 @@
             <a:fld id="{5586B75A-687E-405C-8A0B-8D00578BA2C3}" type="datetimeFigureOut">
               <a:rPr lang="en-US" smtClean="0"/>
               <a:pPr/>
-              <a:t>2/9/24</a:t>
+              <a:t>2/16/24</a:t>
             </a:fld>
             <a:endParaRPr lang="en-US" dirty="0"/>
           </a:p>
@@ -6222,7 +6222,7 @@
             <a:fld id="{5586B75A-687E-405C-8A0B-8D00578BA2C3}" type="datetimeFigureOut">
               <a:rPr lang="en-US" smtClean="0"/>
               <a:pPr/>
-              <a:t>2/9/24</a:t>
+              <a:t>2/16/24</a:t>
             </a:fld>
             <a:endParaRPr lang="en-US" dirty="0"/>
           </a:p>
@@ -6666,7 +6666,7 @@
             <a:fld id="{5586B75A-687E-405C-8A0B-8D00578BA2C3}" type="datetimeFigureOut">
               <a:rPr lang="en-US" smtClean="0"/>
               <a:pPr/>
-              <a:t>2/9/24</a:t>
+              <a:t>2/16/24</a:t>
             </a:fld>
             <a:endParaRPr lang="en-US" dirty="0"/>
           </a:p>
@@ -6786,7 +6786,7 @@
             <a:fld id="{5586B75A-687E-405C-8A0B-8D00578BA2C3}" type="datetimeFigureOut">
               <a:rPr lang="en-US" smtClean="0"/>
               <a:pPr/>
-              <a:t>2/9/24</a:t>
+              <a:t>2/16/24</a:t>
             </a:fld>
             <a:endParaRPr lang="en-US" dirty="0"/>
           </a:p>
@@ -6883,7 +6883,7 @@
             <a:fld id="{5586B75A-687E-405C-8A0B-8D00578BA2C3}" type="datetimeFigureOut">
               <a:rPr lang="en-US" smtClean="0"/>
               <a:pPr/>
-              <a:t>2/9/24</a:t>
+              <a:t>2/16/24</a:t>
             </a:fld>
             <a:endParaRPr lang="en-US" dirty="0"/>
           </a:p>
@@ -7173,7 +7173,7 @@
             <a:fld id="{5586B75A-687E-405C-8A0B-8D00578BA2C3}" type="datetimeFigureOut">
               <a:rPr lang="en-US" smtClean="0"/>
               <a:pPr/>
-              <a:t>2/9/24</a:t>
+              <a:t>2/16/24</a:t>
             </a:fld>
             <a:endParaRPr lang="en-US" dirty="0"/>
           </a:p>
@@ -7448,7 +7448,7 @@
             <a:fld id="{5586B75A-687E-405C-8A0B-8D00578BA2C3}" type="datetimeFigureOut">
               <a:rPr lang="en-US" smtClean="0"/>
               <a:pPr/>
-              <a:t>2/9/24</a:t>
+              <a:t>2/16/24</a:t>
             </a:fld>
             <a:endParaRPr lang="en-US" dirty="0"/>
           </a:p>
@@ -7747,7 +7747,7 @@
             <a:fld id="{5586B75A-687E-405C-8A0B-8D00578BA2C3}" type="datetimeFigureOut">
               <a:rPr lang="en-US" smtClean="0"/>
               <a:pPr/>
-              <a:t>2/9/24</a:t>
+              <a:t>2/16/24</a:t>
             </a:fld>
             <a:endParaRPr lang="en-US" dirty="0"/>
           </a:p>
@@ -11419,8 +11419,8 @@
           </p:sp>
         </mc:Fallback>
       </mc:AlternateContent>
-      <mc:AlternateContent xmlns:mc="http://schemas.openxmlformats.org/markup-compatibility/2006">
-        <mc:Choice xmlns:a14="http://schemas.microsoft.com/office/drawing/2010/main" Requires="a14">
+      <mc:AlternateContent xmlns:mc="http://schemas.openxmlformats.org/markup-compatibility/2006" xmlns:a14="http://schemas.microsoft.com/office/drawing/2010/main">
+        <mc:Choice Requires="a14">
           <p:sp>
             <p:nvSpPr>
               <p:cNvPr id="3" name="Rounded Rectangle 2">
@@ -12059,7 +12059,7 @@
             </p:txBody>
           </p:sp>
         </mc:Choice>
-        <mc:Fallback>
+        <mc:Fallback xmlns="">
           <p:sp>
             <p:nvSpPr>
               <p:cNvPr id="3" name="Rounded Rectangle 2">
@@ -15604,8 +15604,8 @@
           </a:prstGeom>
         </p:spPr>
       </p:pic>
-      <mc:AlternateContent xmlns:mc="http://schemas.openxmlformats.org/markup-compatibility/2006">
-        <mc:Choice xmlns:a14="http://schemas.microsoft.com/office/drawing/2010/main" Requires="a14">
+      <mc:AlternateContent xmlns:mc="http://schemas.openxmlformats.org/markup-compatibility/2006" xmlns:a14="http://schemas.microsoft.com/office/drawing/2010/main">
+        <mc:Choice Requires="a14">
           <p:sp>
             <p:nvSpPr>
               <p:cNvPr id="2" name="Rounded Rectangle 1">
@@ -15779,7 +15779,7 @@
             </p:txBody>
           </p:sp>
         </mc:Choice>
-        <mc:Fallback>
+        <mc:Fallback xmlns="">
           <p:sp>
             <p:nvSpPr>
               <p:cNvPr id="2" name="Rounded Rectangle 1">
@@ -16478,8 +16478,8 @@
           </a:prstGeom>
         </p:spPr>
       </p:pic>
-      <mc:AlternateContent xmlns:mc="http://schemas.openxmlformats.org/markup-compatibility/2006">
-        <mc:Choice xmlns:a14="http://schemas.microsoft.com/office/drawing/2010/main" Requires="a14">
+      <mc:AlternateContent xmlns:mc="http://schemas.openxmlformats.org/markup-compatibility/2006" xmlns:a14="http://schemas.microsoft.com/office/drawing/2010/main">
+        <mc:Choice Requires="a14">
           <p:sp>
             <p:nvSpPr>
               <p:cNvPr id="2" name="Rounded Rectangle 1">
@@ -16656,7 +16656,7 @@
             </p:txBody>
           </p:sp>
         </mc:Choice>
-        <mc:Fallback>
+        <mc:Fallback xmlns="">
           <p:sp>
             <p:nvSpPr>
               <p:cNvPr id="2" name="Rounded Rectangle 1">
@@ -17498,8 +17498,8 @@
           </a:p>
         </p:txBody>
       </p:sp>
-      <mc:AlternateContent xmlns:mc="http://schemas.openxmlformats.org/markup-compatibility/2006">
-        <mc:Choice xmlns:a14="http://schemas.microsoft.com/office/drawing/2010/main" Requires="a14">
+      <mc:AlternateContent xmlns:mc="http://schemas.openxmlformats.org/markup-compatibility/2006" xmlns:a14="http://schemas.microsoft.com/office/drawing/2010/main">
+        <mc:Choice Requires="a14">
           <p:sp>
             <p:nvSpPr>
               <p:cNvPr id="10" name="TextBox 9">
@@ -17711,7 +17711,7 @@
             </p:txBody>
           </p:sp>
         </mc:Choice>
-        <mc:Fallback>
+        <mc:Fallback xmlns="">
           <p:sp>
             <p:nvSpPr>
               <p:cNvPr id="10" name="TextBox 9">
@@ -17786,8 +17786,8 @@
           </a:prstGeom>
         </p:spPr>
       </p:pic>
-      <mc:AlternateContent xmlns:mc="http://schemas.openxmlformats.org/markup-compatibility/2006">
-        <mc:Choice xmlns:a14="http://schemas.microsoft.com/office/drawing/2010/main" Requires="a14">
+      <mc:AlternateContent xmlns:mc="http://schemas.openxmlformats.org/markup-compatibility/2006" xmlns:a14="http://schemas.microsoft.com/office/drawing/2010/main">
+        <mc:Choice Requires="a14">
           <p:sp>
             <p:nvSpPr>
               <p:cNvPr id="2" name="Rounded Rectangle 1">
@@ -17962,7 +17962,7 @@
             </p:txBody>
           </p:sp>
         </mc:Choice>
-        <mc:Fallback>
+        <mc:Fallback xmlns="">
           <p:sp>
             <p:nvSpPr>
               <p:cNvPr id="2" name="Rounded Rectangle 1">
@@ -18451,6 +18451,36 @@
           <a:chExt cx="0" cy="0"/>
         </a:xfrm>
       </p:grpSpPr>
+      <p:pic>
+        <p:nvPicPr>
+          <p:cNvPr id="5" name="Picture 4" descr="A diagram of a venn diagram&#10;&#10;Description automatically generated">
+            <a:extLst>
+              <a:ext uri="{FF2B5EF4-FFF2-40B4-BE49-F238E27FC236}">
+                <a16:creationId xmlns:a16="http://schemas.microsoft.com/office/drawing/2014/main" id="{BBD61B14-AB66-7785-8628-506A39F7FE4A}"/>
+              </a:ext>
+            </a:extLst>
+          </p:cNvPr>
+          <p:cNvPicPr>
+            <a:picLocks noChangeAspect="1"/>
+          </p:cNvPicPr>
+          <p:nvPr/>
+        </p:nvPicPr>
+        <p:blipFill>
+          <a:blip r:embed="rId3"/>
+          <a:stretch>
+            <a:fillRect/>
+          </a:stretch>
+        </p:blipFill>
+        <p:spPr>
+          <a:xfrm>
+            <a:off x="4314194" y="1894251"/>
+            <a:ext cx="6154920" cy="3803969"/>
+          </a:xfrm>
+          <a:prstGeom prst="rect">
+            <a:avLst/>
+          </a:prstGeom>
+        </p:spPr>
+      </p:pic>
       <p:sp>
         <p:nvSpPr>
           <p:cNvPr id="25" name="Title 24">
@@ -18766,7 +18796,7 @@
                 <a:avLst/>
               </a:prstGeom>
               <a:blipFill>
-                <a:blip r:embed="rId3"/>
+                <a:blip r:embed="rId4"/>
                 <a:stretch>
                   <a:fillRect l="-1201" t="-1223"/>
                 </a:stretch>
@@ -18787,36 +18817,6 @@
           </p:sp>
         </mc:Fallback>
       </mc:AlternateContent>
-      <p:pic>
-        <p:nvPicPr>
-          <p:cNvPr id="4" name="Picture 3" descr="A diagram of a venn diagram&#10;&#10;Description automatically generated">
-            <a:extLst>
-              <a:ext uri="{FF2B5EF4-FFF2-40B4-BE49-F238E27FC236}">
-                <a16:creationId xmlns:a16="http://schemas.microsoft.com/office/drawing/2014/main" id="{26195008-A6E5-8375-DF1C-990CCDF6E6F8}"/>
-              </a:ext>
-            </a:extLst>
-          </p:cNvPr>
-          <p:cNvPicPr>
-            <a:picLocks noChangeAspect="1"/>
-          </p:cNvPicPr>
-          <p:nvPr/>
-        </p:nvPicPr>
-        <p:blipFill>
-          <a:blip r:embed="rId3"/>
-          <a:stretch>
-            <a:fillRect/>
-          </a:stretch>
-        </p:blipFill>
-        <p:spPr>
-          <a:xfrm>
-            <a:off x="4314194" y="1956243"/>
-            <a:ext cx="6154920" cy="3803969"/>
-          </a:xfrm>
-          <a:prstGeom prst="rect">
-            <a:avLst/>
-          </a:prstGeom>
-        </p:spPr>
-      </p:pic>
       <mc:AlternateContent xmlns:mc="http://schemas.openxmlformats.org/markup-compatibility/2006" xmlns:a14="http://schemas.microsoft.com/office/drawing/2010/main">
         <mc:Choice Requires="a14">
           <p:sp>
@@ -20961,6 +20961,36 @@
           <a:chExt cx="0" cy="0"/>
         </a:xfrm>
       </p:grpSpPr>
+      <p:pic>
+        <p:nvPicPr>
+          <p:cNvPr id="3" name="Picture 2" descr="A diagram of a venn diagram&#10;&#10;Description automatically generated">
+            <a:extLst>
+              <a:ext uri="{FF2B5EF4-FFF2-40B4-BE49-F238E27FC236}">
+                <a16:creationId xmlns:a16="http://schemas.microsoft.com/office/drawing/2014/main" id="{2D566408-9C25-9A3B-7B24-8E2384B5342C}"/>
+              </a:ext>
+            </a:extLst>
+          </p:cNvPr>
+          <p:cNvPicPr>
+            <a:picLocks noChangeAspect="1"/>
+          </p:cNvPicPr>
+          <p:nvPr/>
+        </p:nvPicPr>
+        <p:blipFill>
+          <a:blip r:embed="rId3"/>
+          <a:stretch>
+            <a:fillRect/>
+          </a:stretch>
+        </p:blipFill>
+        <p:spPr>
+          <a:xfrm>
+            <a:off x="4314194" y="1894251"/>
+            <a:ext cx="6154920" cy="3803969"/>
+          </a:xfrm>
+          <a:prstGeom prst="rect">
+            <a:avLst/>
+          </a:prstGeom>
+        </p:spPr>
+      </p:pic>
       <p:sp>
         <p:nvSpPr>
           <p:cNvPr id="25" name="Title 24">
@@ -21276,7 +21306,7 @@
                 <a:avLst/>
               </a:prstGeom>
               <a:blipFill>
-                <a:blip r:embed="rId3"/>
+                <a:blip r:embed="rId4"/>
                 <a:stretch>
                   <a:fillRect l="-1201" t="-1223"/>
                 </a:stretch>
@@ -21297,36 +21327,6 @@
           </p:sp>
         </mc:Fallback>
       </mc:AlternateContent>
-      <p:pic>
-        <p:nvPicPr>
-          <p:cNvPr id="4" name="Picture 3" descr="A diagram of a venn diagram&#10;&#10;Description automatically generated">
-            <a:extLst>
-              <a:ext uri="{FF2B5EF4-FFF2-40B4-BE49-F238E27FC236}">
-                <a16:creationId xmlns:a16="http://schemas.microsoft.com/office/drawing/2014/main" id="{3E03EFE0-B96D-CCAA-C409-0115324C0354}"/>
-              </a:ext>
-            </a:extLst>
-          </p:cNvPr>
-          <p:cNvPicPr>
-            <a:picLocks noChangeAspect="1"/>
-          </p:cNvPicPr>
-          <p:nvPr/>
-        </p:nvPicPr>
-        <p:blipFill>
-          <a:blip r:embed="rId3"/>
-          <a:stretch>
-            <a:fillRect/>
-          </a:stretch>
-        </p:blipFill>
-        <p:spPr>
-          <a:xfrm>
-            <a:off x="4314194" y="1956243"/>
-            <a:ext cx="6154920" cy="3803969"/>
-          </a:xfrm>
-          <a:prstGeom prst="rect">
-            <a:avLst/>
-          </a:prstGeom>
-        </p:spPr>
-      </p:pic>
       <p:sp>
         <p:nvSpPr>
           <p:cNvPr id="2" name="Rounded Rectangle 1">
@@ -23747,8 +23747,8 @@
           </p:txBody>
         </p:sp>
       </p:grpSp>
-      <mc:AlternateContent xmlns:mc="http://schemas.openxmlformats.org/markup-compatibility/2006">
-        <mc:Choice xmlns:a14="http://schemas.microsoft.com/office/drawing/2010/main" Requires="a14">
+      <mc:AlternateContent xmlns:mc="http://schemas.openxmlformats.org/markup-compatibility/2006" xmlns:a14="http://schemas.microsoft.com/office/drawing/2010/main">
+        <mc:Choice Requires="a14">
           <p:sp>
             <p:nvSpPr>
               <p:cNvPr id="7" name="object 8">
@@ -23912,7 +23912,7 @@
             </p:txBody>
           </p:sp>
         </mc:Choice>
-        <mc:Fallback>
+        <mc:Fallback xmlns="">
           <p:sp>
             <p:nvSpPr>
               <p:cNvPr id="7" name="object 8">
@@ -24532,8 +24532,8 @@
           </p:txBody>
         </p:sp>
       </p:grpSp>
-      <mc:AlternateContent xmlns:mc="http://schemas.openxmlformats.org/markup-compatibility/2006">
-        <mc:Choice xmlns:a14="http://schemas.microsoft.com/office/drawing/2010/main" Requires="a14">
+      <mc:AlternateContent xmlns:mc="http://schemas.openxmlformats.org/markup-compatibility/2006" xmlns:a14="http://schemas.microsoft.com/office/drawing/2010/main">
+        <mc:Choice Requires="a14">
           <p:sp>
             <p:nvSpPr>
               <p:cNvPr id="7" name="object 8">
@@ -24711,7 +24711,7 @@
             </p:txBody>
           </p:sp>
         </mc:Choice>
-        <mc:Fallback>
+        <mc:Fallback xmlns="">
           <p:sp>
             <p:nvSpPr>
               <p:cNvPr id="7" name="object 8">
@@ -25331,8 +25331,8 @@
           </p:txBody>
         </p:sp>
       </p:grpSp>
-      <mc:AlternateContent xmlns:mc="http://schemas.openxmlformats.org/markup-compatibility/2006">
-        <mc:Choice xmlns:a14="http://schemas.microsoft.com/office/drawing/2010/main" Requires="a14">
+      <mc:AlternateContent xmlns:mc="http://schemas.openxmlformats.org/markup-compatibility/2006" xmlns:a14="http://schemas.microsoft.com/office/drawing/2010/main">
+        <mc:Choice Requires="a14">
           <p:sp>
             <p:nvSpPr>
               <p:cNvPr id="7" name="object 8">
@@ -25496,7 +25496,7 @@
             </p:txBody>
           </p:sp>
         </mc:Choice>
-        <mc:Fallback>
+        <mc:Fallback xmlns="">
           <p:sp>
             <p:nvSpPr>
               <p:cNvPr id="7" name="object 8">
@@ -26075,8 +26075,8 @@
           </a:p>
         </p:txBody>
       </p:sp>
-      <mc:AlternateContent xmlns:mc="http://schemas.openxmlformats.org/markup-compatibility/2006">
-        <mc:Choice xmlns:a14="http://schemas.microsoft.com/office/drawing/2010/main" Requires="a14">
+      <mc:AlternateContent xmlns:mc="http://schemas.openxmlformats.org/markup-compatibility/2006" xmlns:a14="http://schemas.microsoft.com/office/drawing/2010/main">
+        <mc:Choice Requires="a14">
           <p:sp>
             <p:nvSpPr>
               <p:cNvPr id="4" name="TextBox 3">
@@ -26148,6 +26148,7 @@
                 </a:r>
               </a:p>
               <a:p>
+                <a:pPr/>
                 <a14:m>
                   <m:oMathPara xmlns:m="http://schemas.openxmlformats.org/officeDocument/2006/math">
                     <m:oMathParaPr>
@@ -26230,6 +26231,7 @@
                 </a:r>
               </a:p>
               <a:p>
+                <a:pPr/>
                 <a14:m>
                   <m:oMathPara xmlns:m="http://schemas.openxmlformats.org/officeDocument/2006/math">
                     <m:oMathParaPr>
@@ -26406,6 +26408,7 @@
                 </a:r>
               </a:p>
               <a:p>
+                <a:pPr/>
                 <a14:m>
                   <m:oMathPara xmlns:m="http://schemas.openxmlformats.org/officeDocument/2006/math">
                     <m:oMathParaPr>
@@ -26640,7 +26643,7 @@
             </p:txBody>
           </p:sp>
         </mc:Choice>
-        <mc:Fallback>
+        <mc:Fallback xmlns="">
           <p:sp>
             <p:nvSpPr>
               <p:cNvPr id="4" name="TextBox 3">
@@ -28605,8 +28608,8 @@
           </a:p>
         </p:txBody>
       </p:sp>
-      <mc:AlternateContent xmlns:mc="http://schemas.openxmlformats.org/markup-compatibility/2006">
-        <mc:Choice xmlns:a14="http://schemas.microsoft.com/office/drawing/2010/main" Requires="a14">
+      <mc:AlternateContent xmlns:mc="http://schemas.openxmlformats.org/markup-compatibility/2006" xmlns:a14="http://schemas.microsoft.com/office/drawing/2010/main">
+        <mc:Choice Requires="a14">
           <p:sp>
             <p:nvSpPr>
               <p:cNvPr id="4" name="TextBox 3">
@@ -28678,6 +28681,7 @@
                 </a:r>
               </a:p>
               <a:p>
+                <a:pPr/>
                 <a14:m>
                   <m:oMathPara xmlns:m="http://schemas.openxmlformats.org/officeDocument/2006/math">
                     <m:oMathParaPr>
@@ -28760,6 +28764,7 @@
                 </a:r>
               </a:p>
               <a:p>
+                <a:pPr/>
                 <a14:m>
                   <m:oMathPara xmlns:m="http://schemas.openxmlformats.org/officeDocument/2006/math">
                     <m:oMathParaPr>
@@ -28936,6 +28941,7 @@
                 </a:r>
               </a:p>
               <a:p>
+                <a:pPr/>
                 <a14:m>
                   <m:oMathPara xmlns:m="http://schemas.openxmlformats.org/officeDocument/2006/math">
                     <m:oMathParaPr>
@@ -29170,7 +29176,7 @@
             </p:txBody>
           </p:sp>
         </mc:Choice>
-        <mc:Fallback>
+        <mc:Fallback xmlns="">
           <p:sp>
             <p:nvSpPr>
               <p:cNvPr id="4" name="TextBox 3">
